--- a/Model fitting/BehaviouralModelling/v3/DDM_individul_mar20.pptx
+++ b/Model fitting/BehaviouralModelling/v3/DDM_individul_mar20.pptx
@@ -322,7 +322,125 @@
           <inkml:channelProperty channel="Y" name="resolution" value="1000" units="1/cm"/>
         </inkml:channelProperties>
       </inkml:inkSource>
-      <inkml:timestamp xml:id="ts0" timeString="2025-03-20T21:45:12.821"/>
+      <inkml:timestamp xml:id="ts0" timeString="2025-03-24T10:41:51.733"/>
+    </inkml:context>
+    <inkml:brush xml:id="br0">
+      <inkml:brushProperty name="width" value="0.5" units="cm"/>
+      <inkml:brushProperty name="height" value="1" units="cm"/>
+      <inkml:brushProperty name="color" value="#FFFC00"/>
+      <inkml:brushProperty name="tip" value="rectangle"/>
+      <inkml:brushProperty name="rasterOp" value="maskPen"/>
+      <inkml:brushProperty name="ignorePressure" value="1"/>
+    </inkml:brush>
+  </inkml:definitions>
+  <inkml:trace contextRef="#ctx0" brushRef="#br0">0 1,'8'0,"7"0,0 0,0 1,0 0,0 1,19 6,102 29,-10-1,90 21,-72-36,-108-17,36 1,-64-5</inkml:trace>
+</inkml:ink>
+</file>
+
+<file path=ppt/ink/ink10.xml><?xml version="1.0" encoding="utf-8"?>
+<inkml:ink xmlns:inkml="http://www.w3.org/2003/InkML">
+  <inkml:definitions>
+    <inkml:context xml:id="ctx0">
+      <inkml:inkSource xml:id="inkSrc0">
+        <inkml:traceFormat>
+          <inkml:channel name="X" type="integer" min="-2.14748E9" max="2.14748E9" units="cm"/>
+          <inkml:channel name="Y" type="integer" min="-2.14748E9" max="2.14748E9" units="cm"/>
+        </inkml:traceFormat>
+        <inkml:channelProperties>
+          <inkml:channelProperty channel="X" name="resolution" value="1000" units="1/cm"/>
+          <inkml:channelProperty channel="Y" name="resolution" value="1000" units="1/cm"/>
+        </inkml:channelProperties>
+      </inkml:inkSource>
+      <inkml:timestamp xml:id="ts0" timeString="2025-03-24T10:42:19.689"/>
+    </inkml:context>
+    <inkml:brush xml:id="br0">
+      <inkml:brushProperty name="width" value="0.1" units="cm"/>
+      <inkml:brushProperty name="height" value="0.2" units="cm"/>
+      <inkml:brushProperty name="color" value="#FFFC00"/>
+      <inkml:brushProperty name="tip" value="rectangle"/>
+      <inkml:brushProperty name="rasterOp" value="maskPen"/>
+      <inkml:brushProperty name="ignorePressure" value="1"/>
+    </inkml:brush>
+  </inkml:definitions>
+  <inkml:trace contextRef="#ctx0" brushRef="#br0">1 0,'104'8,"-99"-8,75 8,29 1,-72-6,74-3,-46-1,424 1,-390 9,-61-10,50 2,-56 3,26 1,59 5,127-11,-164 11,119-11,-192 1</inkml:trace>
+</inkml:ink>
+</file>
+
+<file path=ppt/ink/ink11.xml><?xml version="1.0" encoding="utf-8"?>
+<inkml:ink xmlns:inkml="http://www.w3.org/2003/InkML">
+  <inkml:definitions>
+    <inkml:context xml:id="ctx0">
+      <inkml:inkSource xml:id="inkSrc0">
+        <inkml:traceFormat>
+          <inkml:channel name="X" type="integer" min="-2.14748E9" max="2.14748E9" units="cm"/>
+          <inkml:channel name="Y" type="integer" min="-2.14748E9" max="2.14748E9" units="cm"/>
+        </inkml:traceFormat>
+        <inkml:channelProperties>
+          <inkml:channelProperty channel="X" name="resolution" value="1000" units="1/cm"/>
+          <inkml:channelProperty channel="Y" name="resolution" value="1000" units="1/cm"/>
+        </inkml:channelProperties>
+      </inkml:inkSource>
+      <inkml:timestamp xml:id="ts0" timeString="2025-03-23T17:20:43.596"/>
+    </inkml:context>
+    <inkml:brush xml:id="br0">
+      <inkml:brushProperty name="width" value="0.5" units="cm"/>
+      <inkml:brushProperty name="height" value="1" units="cm"/>
+      <inkml:brushProperty name="color" value="#FFFC00"/>
+      <inkml:brushProperty name="tip" value="rectangle"/>
+      <inkml:brushProperty name="rasterOp" value="maskPen"/>
+      <inkml:brushProperty name="ignorePressure" value="1"/>
+    </inkml:brush>
+  </inkml:definitions>
+  <inkml:trace contextRef="#ctx0" brushRef="#br0">1 30,'51'1,"-16"0,1-1,-1-2,44-8,-17 1,0 2,0 4,87 4,-38 1,-37-3,87 3,-30 21,-52-9,-56-9,1-1,33 2,-40-6,9 1,0 0,36 7,64 9,-16-2,-64-9,1-3,72-2,-69-2,-24 0,1-2,27-6,-25 4,44-3,-49 6,43-9,-44 6,46-3,41 8,-63 2,0-2,84-12,-80 4,86-3,55 12,-68 1,0 0,140-4,-169-11,-57 7,41-1,439 6,-249 2,-194-2,86 3,-80 10,-53-6,46 2,408-7,-231-3,2416 2,-2637 2,55 10,-53-7,46 3,76-9,65 2,-138 11,-53-7,31 3,43 5,9 0,-7 0,-3 0,-2 0,-68-7,47 2,-52-8,21 1,90 13,-77-3,116 26,-150-32,1 0,-1-2,1-1,36-2,29 2,39 20,-52-8,-56-9,0 0,35 1,-27-4,43 8,-43-4,43 1,34-8,46 2,-80 12,-49-8,33 2,-22-3,1 2,36 10,-39-7,0-2,55 4,60-12,54 2,-123 13,-53-9,49 4,250-8,-155-3,-155 1,-1 0,1-1,22-7,-20 4,37-4,67 8,-78 1,-1-1,54-8,56-5,-90 11,34-9,28-1,30 0,21 0,-103 13,131-15,-20-12,-114 20,0 3,72 6,67-3,-118-11,-58 6,42-2,355 7,-206 3,-207-3,-1-1,0 0,20-6,-17 3,35-3,-24 7,-5 0,49-9,-39 4,42-2,-32 4,17-7,-45 7,37-4,55 8,16-2,-61-10,-48 8,0 1,20-2,281 2,-163 5,-79-3,85 3,-138 2,-5 1</inkml:trace>
+</inkml:ink>
+</file>
+
+<file path=ppt/ink/ink12.xml><?xml version="1.0" encoding="utf-8"?>
+<inkml:ink xmlns:inkml="http://www.w3.org/2003/InkML">
+  <inkml:definitions>
+    <inkml:context xml:id="ctx0">
+      <inkml:inkSource xml:id="inkSrc0">
+        <inkml:traceFormat>
+          <inkml:channel name="X" type="integer" min="-2.14748E9" max="2.14748E9" units="cm"/>
+          <inkml:channel name="Y" type="integer" min="-2.14748E9" max="2.14748E9" units="cm"/>
+          <inkml:channel name="F" type="integer" max="32767" units="dev"/>
+        </inkml:traceFormat>
+        <inkml:channelProperties>
+          <inkml:channelProperty channel="X" name="resolution" value="1000" units="1/cm"/>
+          <inkml:channelProperty channel="Y" name="resolution" value="1000" units="1/cm"/>
+          <inkml:channelProperty channel="F" name="resolution" value="0" units="1/dev"/>
+        </inkml:channelProperties>
+      </inkml:inkSource>
+      <inkml:timestamp xml:id="ts0" timeString="2025-03-24T10:46:01.383"/>
+    </inkml:context>
+    <inkml:brush xml:id="br0">
+      <inkml:brushProperty name="width" value="0.1" units="cm"/>
+      <inkml:brushProperty name="height" value="0.2" units="cm"/>
+      <inkml:brushProperty name="color" value="#FFFC00"/>
+      <inkml:brushProperty name="tip" value="rectangle"/>
+      <inkml:brushProperty name="rasterOp" value="maskPen"/>
+      <inkml:brushProperty name="ignorePressure" value="1"/>
+    </inkml:brush>
+  </inkml:definitions>
+  <inkml:trace contextRef="#ctx0" brushRef="#br0">1 0 0,'2350'136'0</inkml:trace>
+</inkml:ink>
+</file>
+
+<file path=ppt/ink/ink13.xml><?xml version="1.0" encoding="utf-8"?>
+<inkml:ink xmlns:inkml="http://www.w3.org/2003/InkML">
+  <inkml:definitions>
+    <inkml:context xml:id="ctx0">
+      <inkml:inkSource xml:id="inkSrc0">
+        <inkml:traceFormat>
+          <inkml:channel name="X" type="integer" min="-2.14748E9" max="2.14748E9" units="cm"/>
+          <inkml:channel name="Y" type="integer" min="-2.14748E9" max="2.14748E9" units="cm"/>
+        </inkml:traceFormat>
+        <inkml:channelProperties>
+          <inkml:channelProperty channel="X" name="resolution" value="1000" units="1/cm"/>
+          <inkml:channelProperty channel="Y" name="resolution" value="1000" units="1/cm"/>
+        </inkml:channelProperties>
+      </inkml:inkSource>
+      <inkml:timestamp xml:id="ts0" timeString="2025-03-23T21:56:11.298"/>
     </inkml:context>
     <inkml:brush xml:id="br0">
       <inkml:brushProperty name="width" value="0.2" units="cm"/>
@@ -332,11 +450,11 @@
       <inkml:brushProperty name="rasterOp" value="maskPen"/>
     </inkml:brush>
   </inkml:definitions>
-  <inkml:trace contextRef="#ctx0" brushRef="#br0">0 1,'28'7,"-5"-1,-19-6,3 2,7 0,-6 1,6-2,-4 1,10 1,-6-1,13 0,-13-2,-1 0,12 2,-6-2,3 2,6 0,-19-2,21 2,-22-2,21 0,-22 0,19 0,-18 0,19 0,-21 0,17 0,-16-2,24 0,-23 0,23 0,-25 2,25-2,-23 1,23-3,-24 4,16-4,-17 4,17-2,-14 2,10-2,-11 1,2-1,2 1,3 0,-1-1,5 2,-11 0,8 0,-8-2,3 2,0-2,-2 2,3 0,-1 0,-2 0,3 0,-3 0,3 0,-3 0,5 0,-7 0,7 0,-5 0,2 0,1-2,-3 1,1 0,1 1,-2 0,3 0,-3 1,1 0,0 1,-1-2,4 2,-4-2,1 2,0-2,-1 0,3 0,-3 0,4 0,-5 0,3 0</inkml:trace>
+  <inkml:trace contextRef="#ctx0" brushRef="#br0">1 3,'27'0,"-3"-2,-16 4,3 3,-2-3,2 5,0-6,-4 4,16 0,-14-1,26 6,-25-9,31 9,-31-8,29 5,-30-6,29 4,-25-5,36 6,-34-6,41 3,-42-3,43 0,-40 0,47 0,-45 0,48 0,-49 0,41 0,-42 0,35 0,-36 0,33 0,-33 0,41-3,-39 2,33-1,-36 2,30 0,-30 0,27 0,-28 0,8 0,-9 0,-6 0,6 0,-2 2,-2-1,5 2,-6-3,4 0,-1 0,0 0,1 0,-1 0,3 0,-5 0,4 0,-4 0,12 0,-9 0,18 2,-21-1,22 1,-20-2,23 0,-19 0,29 3,-23-3,19 5,-22-4,16 1,-21-2,35 0,-36 0,37 0,-39 0,31 3,-31-2,36 1,-35-2,37 3,-34-3,35 5,-33-4,46 4,-38-4,34 1,-38-2,27 3,-33-3,37 5,-40-4,32 1,-33-2,23 0,-24 0,16 0,-17 0,13 0,-14 0,14 0,-14 0,14 0,-13 0,15 0,-15 0,18-2,-18 1,15-1,-16 2,12 0,-12 0,8-3,-8 2,9-1,-9 2,8-3,-8 3,6-3,-4 3,2-2,1 1,2-2,-5 3,9-2,-10 1,17-4,-16 4,19-1,-19-1,16 3,-17-3,18 1,-18 1,18-2,-18 3,18 0,-18 0,20 0,-19 0,19 0,-20 0,18 0,-18 0,18 0,-18 0,18 0,-18 0,18 0,-16 0,11-2,-11 1,6-1,-10 2,13 0,-12 0,14-3,-14 2,12-1,-13 2,13 0,-12 0,14 0,-14 0,14 0,-13 0,15 0,-15-3,18 3,-18-3,12 3,-13 0,12-2,-12 1,11-2,-11 3,11-2,-10 1,7-1,-6 2,0-3,4 0,-6 0,6 0,-4 3,2 0</inkml:trace>
 </inkml:ink>
 </file>
 
-<file path=ppt/ink/ink10.xml><?xml version="1.0" encoding="utf-8"?>
+<file path=ppt/ink/ink14.xml><?xml version="1.0" encoding="utf-8"?>
 <inkml:ink xmlns:inkml="http://www.w3.org/2003/InkML">
   <inkml:definitions>
     <inkml:context xml:id="ctx0">
@@ -364,7 +482,7 @@
 </inkml:ink>
 </file>
 
-<file path=ppt/ink/ink11.xml><?xml version="1.0" encoding="utf-8"?>
+<file path=ppt/ink/ink15.xml><?xml version="1.0" encoding="utf-8"?>
 <inkml:ink xmlns:inkml="http://www.w3.org/2003/InkML">
   <inkml:definitions>
     <inkml:context xml:id="ctx0">
@@ -392,7 +510,7 @@
 </inkml:ink>
 </file>
 
-<file path=ppt/ink/ink12.xml><?xml version="1.0" encoding="utf-8"?>
+<file path=ppt/ink/ink16.xml><?xml version="1.0" encoding="utf-8"?>
 <inkml:ink xmlns:inkml="http://www.w3.org/2003/InkML">
   <inkml:definitions>
     <inkml:context xml:id="ctx0">
@@ -434,6 +552,63 @@
           <inkml:channelProperty channel="Y" name="resolution" value="1000" units="1/cm"/>
         </inkml:channelProperties>
       </inkml:inkSource>
+      <inkml:timestamp xml:id="ts0" timeString="2025-03-24T10:41:53.456"/>
+    </inkml:context>
+    <inkml:brush xml:id="br0">
+      <inkml:brushProperty name="width" value="0.5" units="cm"/>
+      <inkml:brushProperty name="height" value="1" units="cm"/>
+      <inkml:brushProperty name="color" value="#FFFC00"/>
+      <inkml:brushProperty name="tip" value="rectangle"/>
+      <inkml:brushProperty name="rasterOp" value="maskPen"/>
+      <inkml:brushProperty name="ignorePressure" value="1"/>
+    </inkml:brush>
+  </inkml:definitions>
+  <inkml:trace contextRef="#ctx0" brushRef="#br0">0 35,'325'0,"-235"9,-76-9,18 1,0-2,-1-1,53-11,11-14,-88 25</inkml:trace>
+</inkml:ink>
+</file>
+
+<file path=ppt/ink/ink3.xml><?xml version="1.0" encoding="utf-8"?>
+<inkml:ink xmlns:inkml="http://www.w3.org/2003/InkML">
+  <inkml:definitions>
+    <inkml:context xml:id="ctx0">
+      <inkml:inkSource xml:id="inkSrc0">
+        <inkml:traceFormat>
+          <inkml:channel name="X" type="integer" min="-2.14748E9" max="2.14748E9" units="cm"/>
+          <inkml:channel name="Y" type="integer" min="-2.14748E9" max="2.14748E9" units="cm"/>
+        </inkml:traceFormat>
+        <inkml:channelProperties>
+          <inkml:channelProperty channel="X" name="resolution" value="1000" units="1/cm"/>
+          <inkml:channelProperty channel="Y" name="resolution" value="1000" units="1/cm"/>
+        </inkml:channelProperties>
+      </inkml:inkSource>
+      <inkml:timestamp xml:id="ts0" timeString="2025-03-20T21:45:12.821"/>
+    </inkml:context>
+    <inkml:brush xml:id="br0">
+      <inkml:brushProperty name="width" value="0.2" units="cm"/>
+      <inkml:brushProperty name="height" value="0.4" units="cm"/>
+      <inkml:brushProperty name="color" value="#FFFC00"/>
+      <inkml:brushProperty name="tip" value="rectangle"/>
+      <inkml:brushProperty name="rasterOp" value="maskPen"/>
+    </inkml:brush>
+  </inkml:definitions>
+  <inkml:trace contextRef="#ctx0" brushRef="#br0">0 1,'28'7,"-5"-1,-19-6,3 2,7 0,-6 1,6-2,-4 1,10 1,-6-1,13 0,-13-2,-1 0,12 2,-6-2,3 2,6 0,-19-2,21 2,-22-2,21 0,-22 0,19 0,-18 0,19 0,-21 0,17 0,-16-2,24 0,-23 0,23 0,-25 2,25-2,-23 1,23-3,-24 4,16-4,-17 4,17-2,-14 2,10-2,-11 1,2-1,2 1,3 0,-1-1,5 2,-11 0,8 0,-8-2,3 2,0-2,-2 2,3 0,-1 0,-2 0,3 0,-3 0,3 0,-3 0,5 0,-7 0,7 0,-5 0,2 0,1-2,-3 1,1 0,1 1,-2 0,3 0,-3 1,1 0,0 1,-1-2,4 2,-4-2,1 2,0-2,-1 0,3 0,-3 0,4 0,-5 0,3 0</inkml:trace>
+</inkml:ink>
+</file>
+
+<file path=ppt/ink/ink4.xml><?xml version="1.0" encoding="utf-8"?>
+<inkml:ink xmlns:inkml="http://www.w3.org/2003/InkML">
+  <inkml:definitions>
+    <inkml:context xml:id="ctx0">
+      <inkml:inkSource xml:id="inkSrc0">
+        <inkml:traceFormat>
+          <inkml:channel name="X" type="integer" min="-2.14748E9" max="2.14748E9" units="cm"/>
+          <inkml:channel name="Y" type="integer" min="-2.14748E9" max="2.14748E9" units="cm"/>
+        </inkml:traceFormat>
+        <inkml:channelProperties>
+          <inkml:channelProperty channel="X" name="resolution" value="1000" units="1/cm"/>
+          <inkml:channelProperty channel="Y" name="resolution" value="1000" units="1/cm"/>
+        </inkml:channelProperties>
+      </inkml:inkSource>
       <inkml:timestamp xml:id="ts0" timeString="2025-03-20T21:45:17.869"/>
     </inkml:context>
     <inkml:brush xml:id="br0">
@@ -448,7 +623,7 @@
 </inkml:ink>
 </file>
 
-<file path=ppt/ink/ink3.xml><?xml version="1.0" encoding="utf-8"?>
+<file path=ppt/ink/ink5.xml><?xml version="1.0" encoding="utf-8"?>
 <inkml:ink xmlns:inkml="http://www.w3.org/2003/InkML">
   <inkml:definitions>
     <inkml:context xml:id="ctx0">
@@ -476,7 +651,7 @@
 </inkml:ink>
 </file>
 
-<file path=ppt/ink/ink4.xml><?xml version="1.0" encoding="utf-8"?>
+<file path=ppt/ink/ink6.xml><?xml version="1.0" encoding="utf-8"?>
 <inkml:ink xmlns:inkml="http://www.w3.org/2003/InkML">
   <inkml:definitions>
     <inkml:context xml:id="ctx0">
@@ -504,7 +679,7 @@
 </inkml:ink>
 </file>
 
-<file path=ppt/ink/ink5.xml><?xml version="1.0" encoding="utf-8"?>
+<file path=ppt/ink/ink7.xml><?xml version="1.0" encoding="utf-8"?>
 <inkml:ink xmlns:inkml="http://www.w3.org/2003/InkML">
   <inkml:definitions>
     <inkml:context xml:id="ctx0">
@@ -533,7 +708,7 @@
 </inkml:ink>
 </file>
 
-<file path=ppt/ink/ink6.xml><?xml version="1.0" encoding="utf-8"?>
+<file path=ppt/ink/ink8.xml><?xml version="1.0" encoding="utf-8"?>
 <inkml:ink xmlns:inkml="http://www.w3.org/2003/InkML">
   <inkml:definitions>
     <inkml:context xml:id="ctx0">
@@ -561,7 +736,7 @@
 </inkml:ink>
 </file>
 
-<file path=ppt/ink/ink7.xml><?xml version="1.0" encoding="utf-8"?>
+<file path=ppt/ink/ink9.xml><?xml version="1.0" encoding="utf-8"?>
 <inkml:ink xmlns:inkml="http://www.w3.org/2003/InkML">
   <inkml:definitions>
     <inkml:context xml:id="ctx0">
@@ -586,63 +761,6 @@
     </inkml:brush>
   </inkml:definitions>
   <inkml:trace contextRef="#ctx0" brushRef="#br0">0 0,'23'8,"-4"-3,-14-5,3 2,10 2,-5-1,5 1,1-2,-11 0,26 2,-23 1,31 1,-28-4,24 4,-28-5,36 4,-33-4,39 5,-39-6,33 6,-34-5,38 6,-38-6,30 5,-30-6,29 6,-30-5,33 5,-33-4,32 0,-31 0,33 0,-34-1,35 2,-36-2,34 1,-33-2,29 0,-29 0,19 0,-23 0,14-2,-15 1,6-1,0 2,-6 2,9 4,-10-1,5 3,1 0,-6-2,6 2,-4-2,0-2,3 6,-5-3,3 2,-2-1,5-2,-4 1,1 1,-2-1,0 1,3-1,-1 1,-1-2,1 1,-3 3,1-3,-2 3,0 0,-2-1,2 4,-3-5,1 3,-4-1,-1-1,-3 1,-1-1,1-3,-4 1,2-3,-4 0,3 0,0 1,-1-1,3 0,-7 0,6-1,-10 2,12-4,-15 5,14-4,-16 0,16 2,-19-3,19 1,-20-2,20 0,-26-4,24 3,-22-5,24 6,-18-6,18 5,-22-5,21 4,-17-3,19 3,-20-4,19 3,-21-5,20 5,-20-4,18 6,-21-7,24 7,-23-4,23 2,-20-1,20 1,-22-2,21 4,-17-5,18 6,-12-6,13 5,-8-3,5 2,0 0,-3-3,3 3,-2-4,2 3,1-3,-1 0,1 1,-1-1,0 0,3-1,1-3,3-1,2 0,-1 0,-4 0,0 4,-1-5,2 5,26 6,-14-1,19 9,-17-6,-5 1,20-1,-16 0,33 5,-31-5,43 4,-41-4,29 3,-34-4,19 5,9-4,-11 1,41 0,-45-1,44 2,-47-2,36 3,-40-2,31 0,-35 0,18 0,-21-1,14 0,-15 1,12-1,-11 1,5-2</inkml:trace>
-</inkml:ink>
-</file>
-
-<file path=ppt/ink/ink8.xml><?xml version="1.0" encoding="utf-8"?>
-<inkml:ink xmlns:inkml="http://www.w3.org/2003/InkML">
-  <inkml:definitions>
-    <inkml:context xml:id="ctx0">
-      <inkml:inkSource xml:id="inkSrc0">
-        <inkml:traceFormat>
-          <inkml:channel name="X" type="integer" min="-2.14748E9" max="2.14748E9" units="cm"/>
-          <inkml:channel name="Y" type="integer" min="-2.14748E9" max="2.14748E9" units="cm"/>
-        </inkml:traceFormat>
-        <inkml:channelProperties>
-          <inkml:channelProperty channel="X" name="resolution" value="1000" units="1/cm"/>
-          <inkml:channelProperty channel="Y" name="resolution" value="1000" units="1/cm"/>
-        </inkml:channelProperties>
-      </inkml:inkSource>
-      <inkml:timestamp xml:id="ts0" timeString="2025-03-23T17:20:43.596"/>
-    </inkml:context>
-    <inkml:brush xml:id="br0">
-      <inkml:brushProperty name="width" value="0.5" units="cm"/>
-      <inkml:brushProperty name="height" value="1" units="cm"/>
-      <inkml:brushProperty name="color" value="#FFFC00"/>
-      <inkml:brushProperty name="tip" value="rectangle"/>
-      <inkml:brushProperty name="rasterOp" value="maskPen"/>
-      <inkml:brushProperty name="ignorePressure" value="1"/>
-    </inkml:brush>
-  </inkml:definitions>
-  <inkml:trace contextRef="#ctx0" brushRef="#br0">1 30,'51'1,"-16"0,1-1,-1-2,44-8,-17 1,0 2,0 4,87 4,-38 1,-37-3,87 3,-30 21,-52-9,-56-9,1-1,33 2,-40-6,9 1,0 0,36 7,64 9,-16-2,-64-9,1-3,72-2,-69-2,-24 0,1-2,27-6,-25 4,44-3,-49 6,43-9,-44 6,46-3,41 8,-63 2,0-2,84-12,-80 4,86-3,55 12,-68 1,0 0,140-4,-169-11,-57 7,41-1,439 6,-249 2,-194-2,86 3,-80 10,-53-6,46 2,408-7,-231-3,2416 2,-2637 2,55 10,-53-7,46 3,76-9,65 2,-138 11,-53-7,31 3,43 5,9 0,-7 0,-3 0,-2 0,-68-7,47 2,-52-8,21 1,90 13,-77-3,116 26,-150-32,1 0,-1-2,1-1,36-2,29 2,39 20,-52-8,-56-9,0 0,35 1,-27-4,43 8,-43-4,43 1,34-8,46 2,-80 12,-49-8,33 2,-22-3,1 2,36 10,-39-7,0-2,55 4,60-12,54 2,-123 13,-53-9,49 4,250-8,-155-3,-155 1,-1 0,1-1,22-7,-20 4,37-4,67 8,-78 1,-1-1,54-8,56-5,-90 11,34-9,28-1,30 0,21 0,-103 13,131-15,-20-12,-114 20,0 3,72 6,67-3,-118-11,-58 6,42-2,355 7,-206 3,-207-3,-1-1,0 0,20-6,-17 3,35-3,-24 7,-5 0,49-9,-39 4,42-2,-32 4,17-7,-45 7,37-4,55 8,16-2,-61-10,-48 8,0 1,20-2,281 2,-163 5,-79-3,85 3,-138 2,-5 1</inkml:trace>
-</inkml:ink>
-</file>
-
-<file path=ppt/ink/ink9.xml><?xml version="1.0" encoding="utf-8"?>
-<inkml:ink xmlns:inkml="http://www.w3.org/2003/InkML">
-  <inkml:definitions>
-    <inkml:context xml:id="ctx0">
-      <inkml:inkSource xml:id="inkSrc0">
-        <inkml:traceFormat>
-          <inkml:channel name="X" type="integer" min="-2.14748E9" max="2.14748E9" units="cm"/>
-          <inkml:channel name="Y" type="integer" min="-2.14748E9" max="2.14748E9" units="cm"/>
-        </inkml:traceFormat>
-        <inkml:channelProperties>
-          <inkml:channelProperty channel="X" name="resolution" value="1000" units="1/cm"/>
-          <inkml:channelProperty channel="Y" name="resolution" value="1000" units="1/cm"/>
-        </inkml:channelProperties>
-      </inkml:inkSource>
-      <inkml:timestamp xml:id="ts0" timeString="2025-03-23T21:56:11.298"/>
-    </inkml:context>
-    <inkml:brush xml:id="br0">
-      <inkml:brushProperty name="width" value="0.2" units="cm"/>
-      <inkml:brushProperty name="height" value="0.4" units="cm"/>
-      <inkml:brushProperty name="color" value="#FFFC00"/>
-      <inkml:brushProperty name="tip" value="rectangle"/>
-      <inkml:brushProperty name="rasterOp" value="maskPen"/>
-    </inkml:brush>
-  </inkml:definitions>
-  <inkml:trace contextRef="#ctx0" brushRef="#br0">1 3,'27'0,"-3"-2,-16 4,3 3,-2-3,2 5,0-6,-4 4,16 0,-14-1,26 6,-25-9,31 9,-31-8,29 5,-30-6,29 4,-25-5,36 6,-34-6,41 3,-42-3,43 0,-40 0,47 0,-45 0,48 0,-49 0,41 0,-42 0,35 0,-36 0,33 0,-33 0,41-3,-39 2,33-1,-36 2,30 0,-30 0,27 0,-28 0,8 0,-9 0,-6 0,6 0,-2 2,-2-1,5 2,-6-3,4 0,-1 0,0 0,1 0,-1 0,3 0,-5 0,4 0,-4 0,12 0,-9 0,18 2,-21-1,22 1,-20-2,23 0,-19 0,29 3,-23-3,19 5,-22-4,16 1,-21-2,35 0,-36 0,37 0,-39 0,31 3,-31-2,36 1,-35-2,37 3,-34-3,35 5,-33-4,46 4,-38-4,34 1,-38-2,27 3,-33-3,37 5,-40-4,32 1,-33-2,23 0,-24 0,16 0,-17 0,13 0,-14 0,14 0,-14 0,14 0,-13 0,15 0,-15 0,18-2,-18 1,15-1,-16 2,12 0,-12 0,8-3,-8 2,9-1,-9 2,8-3,-8 3,6-3,-4 3,2-2,1 1,2-2,-5 3,9-2,-10 1,17-4,-16 4,19-1,-19-1,16 3,-17-3,18 1,-18 1,18-2,-18 3,18 0,-18 0,20 0,-19 0,19 0,-20 0,18 0,-18 0,18 0,-18 0,18 0,-18 0,18 0,-16 0,11-2,-11 1,6-1,-10 2,13 0,-12 0,14-3,-14 2,12-1,-13 2,13 0,-12 0,14 0,-14 0,14 0,-13 0,15 0,-15-3,18 3,-18-3,12 3,-13 0,12-2,-12 1,11-2,-11 3,11-2,-10 1,7-1,-6 2,0-3,4 0,-6 0,6 0,-4 3,2 0</inkml:trace>
 </inkml:ink>
 </file>
 
@@ -9732,6 +9850,108 @@
           </a:prstGeom>
         </p:spPr>
       </p:pic>
+      <mc:AlternateContent xmlns:mc="http://schemas.openxmlformats.org/markup-compatibility/2006">
+        <mc:Choice xmlns:p14="http://schemas.microsoft.com/office/powerpoint/2010/main" Requires="p14">
+          <p:contentPart p14:bwMode="auto" r:id="rId4">
+            <p14:nvContentPartPr>
+              <p14:cNvPr id="3" name="Ink 2">
+                <a:extLst>
+                  <a:ext uri="{FF2B5EF4-FFF2-40B4-BE49-F238E27FC236}">
+                    <a16:creationId xmlns:a16="http://schemas.microsoft.com/office/drawing/2014/main" id="{EC21B86C-582B-7025-AF75-1C3B673B2BA4}"/>
+                  </a:ext>
+                </a:extLst>
+              </p14:cNvPr>
+              <p14:cNvContentPartPr/>
+              <p14:nvPr/>
+            </p14:nvContentPartPr>
+            <p14:xfrm>
+              <a:off x="4610951" y="1079224"/>
+              <a:ext cx="308160" cy="62280"/>
+            </p14:xfrm>
+          </p:contentPart>
+        </mc:Choice>
+        <mc:Fallback>
+          <p:pic>
+            <p:nvPicPr>
+              <p:cNvPr id="3" name="Ink 2">
+                <a:extLst>
+                  <a:ext uri="{FF2B5EF4-FFF2-40B4-BE49-F238E27FC236}">
+                    <a16:creationId xmlns:a16="http://schemas.microsoft.com/office/drawing/2014/main" id="{EC21B86C-582B-7025-AF75-1C3B673B2BA4}"/>
+                  </a:ext>
+                </a:extLst>
+              </p:cNvPr>
+              <p:cNvPicPr/>
+              <p:nvPr/>
+            </p:nvPicPr>
+            <p:blipFill>
+              <a:blip r:embed="rId5"/>
+              <a:stretch>
+                <a:fillRect/>
+              </a:stretch>
+            </p:blipFill>
+            <p:spPr>
+              <a:xfrm>
+                <a:off x="4520951" y="899584"/>
+                <a:ext cx="487800" cy="421920"/>
+              </a:xfrm>
+              <a:prstGeom prst="rect">
+                <a:avLst/>
+              </a:prstGeom>
+            </p:spPr>
+          </p:pic>
+        </mc:Fallback>
+      </mc:AlternateContent>
+      <mc:AlternateContent xmlns:mc="http://schemas.openxmlformats.org/markup-compatibility/2006">
+        <mc:Choice xmlns:p14="http://schemas.microsoft.com/office/powerpoint/2010/main" Requires="p14">
+          <p:contentPart p14:bwMode="auto" r:id="rId6">
+            <p14:nvContentPartPr>
+              <p14:cNvPr id="4" name="Ink 3">
+                <a:extLst>
+                  <a:ext uri="{FF2B5EF4-FFF2-40B4-BE49-F238E27FC236}">
+                    <a16:creationId xmlns:a16="http://schemas.microsoft.com/office/drawing/2014/main" id="{31085958-32AC-F813-578F-828808B789CA}"/>
+                  </a:ext>
+                </a:extLst>
+              </p14:cNvPr>
+              <p14:cNvContentPartPr/>
+              <p14:nvPr/>
+            </p14:nvContentPartPr>
+            <p14:xfrm>
+              <a:off x="2068631" y="3022504"/>
+              <a:ext cx="255960" cy="16560"/>
+            </p14:xfrm>
+          </p:contentPart>
+        </mc:Choice>
+        <mc:Fallback>
+          <p:pic>
+            <p:nvPicPr>
+              <p:cNvPr id="4" name="Ink 3">
+                <a:extLst>
+                  <a:ext uri="{FF2B5EF4-FFF2-40B4-BE49-F238E27FC236}">
+                    <a16:creationId xmlns:a16="http://schemas.microsoft.com/office/drawing/2014/main" id="{31085958-32AC-F813-578F-828808B789CA}"/>
+                  </a:ext>
+                </a:extLst>
+              </p:cNvPr>
+              <p:cNvPicPr/>
+              <p:nvPr/>
+            </p:nvPicPr>
+            <p:blipFill>
+              <a:blip r:embed="rId7"/>
+              <a:stretch>
+                <a:fillRect/>
+              </a:stretch>
+            </p:blipFill>
+            <p:spPr>
+              <a:xfrm>
+                <a:off x="1978631" y="2842504"/>
+                <a:ext cx="435600" cy="376200"/>
+              </a:xfrm>
+              <a:prstGeom prst="rect">
+                <a:avLst/>
+              </a:prstGeom>
+            </p:spPr>
+          </p:pic>
+        </mc:Fallback>
+      </mc:AlternateContent>
     </p:spTree>
   </p:cSld>
   <p:clrMapOvr>
@@ -10312,6 +10532,57 @@
           </p:pic>
         </mc:Fallback>
       </mc:AlternateContent>
+      <mc:AlternateContent xmlns:mc="http://schemas.openxmlformats.org/markup-compatibility/2006">
+        <mc:Choice xmlns:p14="http://schemas.microsoft.com/office/powerpoint/2010/main" Requires="p14">
+          <p:contentPart p14:bwMode="auto" r:id="rId17">
+            <p14:nvContentPartPr>
+              <p14:cNvPr id="12" name="Ink 11">
+                <a:extLst>
+                  <a:ext uri="{FF2B5EF4-FFF2-40B4-BE49-F238E27FC236}">
+                    <a16:creationId xmlns:a16="http://schemas.microsoft.com/office/drawing/2014/main" id="{480E2171-6752-6336-2A12-715E5EB2D492}"/>
+                  </a:ext>
+                </a:extLst>
+              </p14:cNvPr>
+              <p14:cNvContentPartPr/>
+              <p14:nvPr/>
+            </p14:nvContentPartPr>
+            <p14:xfrm>
+              <a:off x="418031" y="2707501"/>
+              <a:ext cx="707040" cy="23400"/>
+            </p14:xfrm>
+          </p:contentPart>
+        </mc:Choice>
+        <mc:Fallback>
+          <p:pic>
+            <p:nvPicPr>
+              <p:cNvPr id="12" name="Ink 11">
+                <a:extLst>
+                  <a:ext uri="{FF2B5EF4-FFF2-40B4-BE49-F238E27FC236}">
+                    <a16:creationId xmlns:a16="http://schemas.microsoft.com/office/drawing/2014/main" id="{480E2171-6752-6336-2A12-715E5EB2D492}"/>
+                  </a:ext>
+                </a:extLst>
+              </p:cNvPr>
+              <p:cNvPicPr/>
+              <p:nvPr/>
+            </p:nvPicPr>
+            <p:blipFill>
+              <a:blip r:embed="rId18"/>
+              <a:stretch>
+                <a:fillRect/>
+              </a:stretch>
+            </p:blipFill>
+            <p:spPr>
+              <a:xfrm>
+                <a:off x="400391" y="2671501"/>
+                <a:ext cx="742680" cy="95040"/>
+              </a:xfrm>
+              <a:prstGeom prst="rect">
+                <a:avLst/>
+              </a:prstGeom>
+            </p:spPr>
+          </p:pic>
+        </mc:Fallback>
+      </mc:AlternateContent>
     </p:spTree>
     <p:extLst>
       <p:ext uri="{BB962C8B-B14F-4D97-AF65-F5344CB8AC3E}">
@@ -11091,6 +11362,57 @@
           </a:prstGeom>
         </p:spPr>
       </p:pic>
+      <mc:AlternateContent xmlns:mc="http://schemas.openxmlformats.org/markup-compatibility/2006">
+        <mc:Choice xmlns:p14="http://schemas.microsoft.com/office/powerpoint/2010/main" Requires="p14">
+          <p:contentPart p14:bwMode="auto" r:id="rId3">
+            <p14:nvContentPartPr>
+              <p14:cNvPr id="5" name="Ink 4">
+                <a:extLst>
+                  <a:ext uri="{FF2B5EF4-FFF2-40B4-BE49-F238E27FC236}">
+                    <a16:creationId xmlns:a16="http://schemas.microsoft.com/office/drawing/2014/main" id="{DDFFF4B5-BF72-5333-265A-5AD1FBA32BA1}"/>
+                  </a:ext>
+                </a:extLst>
+              </p14:cNvPr>
+              <p14:cNvContentPartPr/>
+              <p14:nvPr/>
+            </p14:nvContentPartPr>
+            <p14:xfrm>
+              <a:off x="641591" y="2580784"/>
+              <a:ext cx="846720" cy="48960"/>
+            </p14:xfrm>
+          </p:contentPart>
+        </mc:Choice>
+        <mc:Fallback>
+          <p:pic>
+            <p:nvPicPr>
+              <p:cNvPr id="5" name="Ink 4">
+                <a:extLst>
+                  <a:ext uri="{FF2B5EF4-FFF2-40B4-BE49-F238E27FC236}">
+                    <a16:creationId xmlns:a16="http://schemas.microsoft.com/office/drawing/2014/main" id="{DDFFF4B5-BF72-5333-265A-5AD1FBA32BA1}"/>
+                  </a:ext>
+                </a:extLst>
+              </p:cNvPr>
+              <p:cNvPicPr/>
+              <p:nvPr/>
+            </p:nvPicPr>
+            <p:blipFill>
+              <a:blip r:embed="rId4"/>
+              <a:stretch>
+                <a:fillRect/>
+              </a:stretch>
+            </p:blipFill>
+            <p:spPr>
+              <a:xfrm>
+                <a:off x="623951" y="2544784"/>
+                <a:ext cx="882360" cy="120600"/>
+              </a:xfrm>
+              <a:prstGeom prst="rect">
+                <a:avLst/>
+              </a:prstGeom>
+            </p:spPr>
+          </p:pic>
+        </mc:Fallback>
+      </mc:AlternateContent>
     </p:spTree>
     <p:extLst>
       <p:ext uri="{BB962C8B-B14F-4D97-AF65-F5344CB8AC3E}">
@@ -12407,8 +12729,8 @@
           </a:prstGeom>
         </p:spPr>
       </p:pic>
-      <mc:AlternateContent xmlns:mc="http://schemas.openxmlformats.org/markup-compatibility/2006">
-        <mc:Choice xmlns:p14="http://schemas.microsoft.com/office/powerpoint/2010/main" Requires="p14">
+      <mc:AlternateContent xmlns:mc="http://schemas.openxmlformats.org/markup-compatibility/2006" xmlns:p14="http://schemas.microsoft.com/office/powerpoint/2010/main">
+        <mc:Choice Requires="p14">
           <p:contentPart p14:bwMode="auto" r:id="rId3">
             <p14:nvContentPartPr>
               <p14:cNvPr id="5" name="墨迹 4">
@@ -12427,7 +12749,7 @@
             </p14:xfrm>
           </p:contentPart>
         </mc:Choice>
-        <mc:Fallback>
+        <mc:Fallback xmlns="">
           <p:pic>
             <p:nvPicPr>
               <p:cNvPr id="5" name="墨迹 4">
@@ -12458,8 +12780,8 @@
           </p:pic>
         </mc:Fallback>
       </mc:AlternateContent>
-      <mc:AlternateContent xmlns:mc="http://schemas.openxmlformats.org/markup-compatibility/2006">
-        <mc:Choice xmlns:p14="http://schemas.microsoft.com/office/powerpoint/2010/main" Requires="p14">
+      <mc:AlternateContent xmlns:mc="http://schemas.openxmlformats.org/markup-compatibility/2006" xmlns:p14="http://schemas.microsoft.com/office/powerpoint/2010/main">
+        <mc:Choice Requires="p14">
           <p:contentPart p14:bwMode="auto" r:id="rId5">
             <p14:nvContentPartPr>
               <p14:cNvPr id="6" name="墨迹 5">
@@ -12478,7 +12800,7 @@
             </p14:xfrm>
           </p:contentPart>
         </mc:Choice>
-        <mc:Fallback>
+        <mc:Fallback xmlns="">
           <p:pic>
             <p:nvPicPr>
               <p:cNvPr id="6" name="墨迹 5">
@@ -12509,8 +12831,8 @@
           </p:pic>
         </mc:Fallback>
       </mc:AlternateContent>
-      <mc:AlternateContent xmlns:mc="http://schemas.openxmlformats.org/markup-compatibility/2006">
-        <mc:Choice xmlns:p14="http://schemas.microsoft.com/office/powerpoint/2010/main" Requires="p14">
+      <mc:AlternateContent xmlns:mc="http://schemas.openxmlformats.org/markup-compatibility/2006" xmlns:p14="http://schemas.microsoft.com/office/powerpoint/2010/main">
+        <mc:Choice Requires="p14">
           <p:contentPart p14:bwMode="auto" r:id="rId7">
             <p14:nvContentPartPr>
               <p14:cNvPr id="7" name="墨迹 6">
@@ -12529,7 +12851,7 @@
             </p14:xfrm>
           </p:contentPart>
         </mc:Choice>
-        <mc:Fallback>
+        <mc:Fallback xmlns="">
           <p:pic>
             <p:nvPicPr>
               <p:cNvPr id="7" name="墨迹 6">
@@ -12560,8 +12882,8 @@
           </p:pic>
         </mc:Fallback>
       </mc:AlternateContent>
-      <mc:AlternateContent xmlns:mc="http://schemas.openxmlformats.org/markup-compatibility/2006">
-        <mc:Choice xmlns:p14="http://schemas.microsoft.com/office/powerpoint/2010/main" Requires="p14">
+      <mc:AlternateContent xmlns:mc="http://schemas.openxmlformats.org/markup-compatibility/2006" xmlns:p14="http://schemas.microsoft.com/office/powerpoint/2010/main">
+        <mc:Choice Requires="p14">
           <p:contentPart p14:bwMode="auto" r:id="rId9">
             <p14:nvContentPartPr>
               <p14:cNvPr id="8" name="墨迹 7">
@@ -12580,7 +12902,7 @@
             </p14:xfrm>
           </p:contentPart>
         </mc:Choice>
-        <mc:Fallback>
+        <mc:Fallback xmlns="">
           <p:pic>
             <p:nvPicPr>
               <p:cNvPr id="8" name="墨迹 7">
